--- a/schematic/schematic_edit.pptx
+++ b/schematic/schematic_edit.pptx
@@ -112,6 +112,35 @@
 </p:presentation>
 </file>
 
+<file path=ppt/changesInfos/changesInfo1.xml><?xml version="1.0" encoding="utf-8"?>
+<pc:chgInfo xmlns:a="http://schemas.openxmlformats.org/drawingml/2006/main" xmlns:r="http://schemas.openxmlformats.org/officeDocument/2006/relationships" xmlns:ac="http://schemas.microsoft.com/office/drawing/2013/main/command" xmlns:pc="http://schemas.microsoft.com/office/powerpoint/2013/main/command">
+  <pc:docChgLst>
+    <pc:chgData name="Laurie Balstad" userId="e27c3e17bb6d96dc" providerId="LiveId" clId="{F4128CD5-8526-4B11-A074-11C6FA434CB1}"/>
+    <pc:docChg chg="modSld">
+      <pc:chgData name="Laurie Balstad" userId="e27c3e17bb6d96dc" providerId="LiveId" clId="{F4128CD5-8526-4B11-A074-11C6FA434CB1}" dt="2024-04-03T23:13:56.751" v="0" actId="207"/>
+      <pc:docMkLst>
+        <pc:docMk/>
+      </pc:docMkLst>
+      <pc:sldChg chg="modSp mod">
+        <pc:chgData name="Laurie Balstad" userId="e27c3e17bb6d96dc" providerId="LiveId" clId="{F4128CD5-8526-4B11-A074-11C6FA434CB1}" dt="2024-04-03T23:13:56.751" v="0" actId="207"/>
+        <pc:sldMkLst>
+          <pc:docMk/>
+          <pc:sldMk cId="3010888797" sldId="256"/>
+        </pc:sldMkLst>
+        <pc:spChg chg="mod">
+          <ac:chgData name="Laurie Balstad" userId="e27c3e17bb6d96dc" providerId="LiveId" clId="{F4128CD5-8526-4B11-A074-11C6FA434CB1}" dt="2024-04-03T23:13:56.751" v="0" actId="207"/>
+          <ac:spMkLst>
+            <pc:docMk/>
+            <pc:sldMk cId="3010888797" sldId="256"/>
+            <ac:spMk id="1341" creationId="{93B1E4E4-1DE7-0324-B9D3-5B87CA5D37C4}"/>
+          </ac:spMkLst>
+        </pc:spChg>
+      </pc:sldChg>
+    </pc:docChg>
+  </pc:docChgLst>
+</pc:chgInfo>
+</file>
+
 <file path=ppt/slideLayouts/slideLayout1.xml><?xml version="1.0" encoding="utf-8"?>
 <p:sldLayout xmlns:a="http://schemas.openxmlformats.org/drawingml/2006/main" xmlns:r="http://schemas.openxmlformats.org/officeDocument/2006/relationships" xmlns:p="http://schemas.openxmlformats.org/presentationml/2006/main" type="title" preserve="1">
   <p:cSld name="Title Slide">
@@ -243,7 +272,7 @@
           <a:p>
             <a:fld id="{1D8DE93D-98BA-4DA1-A124-460EA4672E6C}" type="datetimeFigureOut">
               <a:rPr lang="en-US" smtClean="0"/>
-              <a:t>3/28/2024</a:t>
+              <a:t>4/3/2024</a:t>
             </a:fld>
             <a:endParaRPr lang="en-US"/>
           </a:p>
@@ -413,7 +442,7 @@
           <a:p>
             <a:fld id="{1D8DE93D-98BA-4DA1-A124-460EA4672E6C}" type="datetimeFigureOut">
               <a:rPr lang="en-US" smtClean="0"/>
-              <a:t>3/28/2024</a:t>
+              <a:t>4/3/2024</a:t>
             </a:fld>
             <a:endParaRPr lang="en-US"/>
           </a:p>
@@ -593,7 +622,7 @@
           <a:p>
             <a:fld id="{1D8DE93D-98BA-4DA1-A124-460EA4672E6C}" type="datetimeFigureOut">
               <a:rPr lang="en-US" smtClean="0"/>
-              <a:t>3/28/2024</a:t>
+              <a:t>4/3/2024</a:t>
             </a:fld>
             <a:endParaRPr lang="en-US"/>
           </a:p>
@@ -763,7 +792,7 @@
           <a:p>
             <a:fld id="{1D8DE93D-98BA-4DA1-A124-460EA4672E6C}" type="datetimeFigureOut">
               <a:rPr lang="en-US" smtClean="0"/>
-              <a:t>3/28/2024</a:t>
+              <a:t>4/3/2024</a:t>
             </a:fld>
             <a:endParaRPr lang="en-US"/>
           </a:p>
@@ -1009,7 +1038,7 @@
           <a:p>
             <a:fld id="{1D8DE93D-98BA-4DA1-A124-460EA4672E6C}" type="datetimeFigureOut">
               <a:rPr lang="en-US" smtClean="0"/>
-              <a:t>3/28/2024</a:t>
+              <a:t>4/3/2024</a:t>
             </a:fld>
             <a:endParaRPr lang="en-US"/>
           </a:p>
@@ -1241,7 +1270,7 @@
           <a:p>
             <a:fld id="{1D8DE93D-98BA-4DA1-A124-460EA4672E6C}" type="datetimeFigureOut">
               <a:rPr lang="en-US" smtClean="0"/>
-              <a:t>3/28/2024</a:t>
+              <a:t>4/3/2024</a:t>
             </a:fld>
             <a:endParaRPr lang="en-US"/>
           </a:p>
@@ -1608,7 +1637,7 @@
           <a:p>
             <a:fld id="{1D8DE93D-98BA-4DA1-A124-460EA4672E6C}" type="datetimeFigureOut">
               <a:rPr lang="en-US" smtClean="0"/>
-              <a:t>3/28/2024</a:t>
+              <a:t>4/3/2024</a:t>
             </a:fld>
             <a:endParaRPr lang="en-US"/>
           </a:p>
@@ -1726,7 +1755,7 @@
           <a:p>
             <a:fld id="{1D8DE93D-98BA-4DA1-A124-460EA4672E6C}" type="datetimeFigureOut">
               <a:rPr lang="en-US" smtClean="0"/>
-              <a:t>3/28/2024</a:t>
+              <a:t>4/3/2024</a:t>
             </a:fld>
             <a:endParaRPr lang="en-US"/>
           </a:p>
@@ -1821,7 +1850,7 @@
           <a:p>
             <a:fld id="{1D8DE93D-98BA-4DA1-A124-460EA4672E6C}" type="datetimeFigureOut">
               <a:rPr lang="en-US" smtClean="0"/>
-              <a:t>3/28/2024</a:t>
+              <a:t>4/3/2024</a:t>
             </a:fld>
             <a:endParaRPr lang="en-US"/>
           </a:p>
@@ -2098,7 +2127,7 @@
           <a:p>
             <a:fld id="{1D8DE93D-98BA-4DA1-A124-460EA4672E6C}" type="datetimeFigureOut">
               <a:rPr lang="en-US" smtClean="0"/>
-              <a:t>3/28/2024</a:t>
+              <a:t>4/3/2024</a:t>
             </a:fld>
             <a:endParaRPr lang="en-US"/>
           </a:p>
@@ -2355,7 +2384,7 @@
           <a:p>
             <a:fld id="{1D8DE93D-98BA-4DA1-A124-460EA4672E6C}" type="datetimeFigureOut">
               <a:rPr lang="en-US" smtClean="0"/>
-              <a:t>3/28/2024</a:t>
+              <a:t>4/3/2024</a:t>
             </a:fld>
             <a:endParaRPr lang="en-US"/>
           </a:p>
@@ -2568,7 +2597,7 @@
           <a:p>
             <a:fld id="{1D8DE93D-98BA-4DA1-A124-460EA4672E6C}" type="datetimeFigureOut">
               <a:rPr lang="en-US" smtClean="0"/>
-              <a:t>3/28/2024</a:t>
+              <a:t>4/3/2024</a:t>
             </a:fld>
             <a:endParaRPr lang="en-US"/>
           </a:p>
@@ -3170,8 +3199,8 @@
             </p:sp>
           </mc:Fallback>
         </mc:AlternateContent>
-        <mc:AlternateContent xmlns:mc="http://schemas.openxmlformats.org/markup-compatibility/2006">
-          <mc:Choice xmlns:a14="http://schemas.microsoft.com/office/drawing/2010/main" Requires="a14">
+        <mc:AlternateContent xmlns:mc="http://schemas.openxmlformats.org/markup-compatibility/2006" xmlns:a14="http://schemas.microsoft.com/office/drawing/2010/main">
+          <mc:Choice Requires="a14">
             <p:sp>
               <p:nvSpPr>
                 <p:cNvPr id="1342" name="Rectangle 1341">
@@ -3253,7 +3282,7 @@
               </p:txBody>
             </p:sp>
           </mc:Choice>
-          <mc:Fallback>
+          <mc:Fallback xmlns="">
             <p:sp>
               <p:nvSpPr>
                 <p:cNvPr id="1342" name="Rectangle 1341">
@@ -3353,8 +3382,8 @@
             </a:p>
           </p:txBody>
         </p:sp>
-        <mc:AlternateContent xmlns:mc="http://schemas.openxmlformats.org/markup-compatibility/2006">
-          <mc:Choice xmlns:a14="http://schemas.microsoft.com/office/drawing/2010/main" Requires="a14">
+        <mc:AlternateContent xmlns:mc="http://schemas.openxmlformats.org/markup-compatibility/2006" xmlns:a14="http://schemas.microsoft.com/office/drawing/2010/main">
+          <mc:Choice Requires="a14">
             <p:sp>
               <p:nvSpPr>
                 <p:cNvPr id="1344" name="Rectangle 1343">
@@ -3436,7 +3465,7 @@
               </p:txBody>
             </p:sp>
           </mc:Choice>
-          <mc:Fallback>
+          <mc:Fallback xmlns="">
             <p:sp>
               <p:nvSpPr>
                 <p:cNvPr id="1344" name="Rectangle 1343">
@@ -3481,8 +3510,8 @@
             </p:sp>
           </mc:Fallback>
         </mc:AlternateContent>
-        <mc:AlternateContent xmlns:mc="http://schemas.openxmlformats.org/markup-compatibility/2006">
-          <mc:Choice xmlns:a14="http://schemas.microsoft.com/office/drawing/2010/main" Requires="a14">
+        <mc:AlternateContent xmlns:mc="http://schemas.openxmlformats.org/markup-compatibility/2006" xmlns:a14="http://schemas.microsoft.com/office/drawing/2010/main">
+          <mc:Choice Requires="a14">
             <p:sp>
               <p:nvSpPr>
                 <p:cNvPr id="1345" name="Oval 1344">
@@ -3585,7 +3614,7 @@
               </p:txBody>
             </p:sp>
           </mc:Choice>
-          <mc:Fallback>
+          <mc:Fallback xmlns="">
             <p:sp>
               <p:nvSpPr>
                 <p:cNvPr id="1345" name="Oval 1344">
@@ -3635,8 +3664,8 @@
             </p:sp>
           </mc:Fallback>
         </mc:AlternateContent>
-        <mc:AlternateContent xmlns:mc="http://schemas.openxmlformats.org/markup-compatibility/2006">
-          <mc:Choice xmlns:a14="http://schemas.microsoft.com/office/drawing/2010/main" Requires="a14">
+        <mc:AlternateContent xmlns:mc="http://schemas.openxmlformats.org/markup-compatibility/2006" xmlns:a14="http://schemas.microsoft.com/office/drawing/2010/main">
+          <mc:Choice Requires="a14">
             <p:sp>
               <p:nvSpPr>
                 <p:cNvPr id="1346" name="Oval 1345">
@@ -3739,7 +3768,7 @@
               </p:txBody>
             </p:sp>
           </mc:Choice>
-          <mc:Fallback>
+          <mc:Fallback xmlns="">
             <p:sp>
               <p:nvSpPr>
                 <p:cNvPr id="1346" name="Oval 1345">
@@ -3789,8 +3818,8 @@
             </p:sp>
           </mc:Fallback>
         </mc:AlternateContent>
-        <mc:AlternateContent xmlns:mc="http://schemas.openxmlformats.org/markup-compatibility/2006">
-          <mc:Choice xmlns:a14="http://schemas.microsoft.com/office/drawing/2010/main" Requires="a14">
+        <mc:AlternateContent xmlns:mc="http://schemas.openxmlformats.org/markup-compatibility/2006" xmlns:a14="http://schemas.microsoft.com/office/drawing/2010/main">
+          <mc:Choice Requires="a14">
             <p:sp>
               <p:nvSpPr>
                 <p:cNvPr id="1347" name="Oval 1346">
@@ -3893,7 +3922,7 @@
               </p:txBody>
             </p:sp>
           </mc:Choice>
-          <mc:Fallback>
+          <mc:Fallback xmlns="">
             <p:sp>
               <p:nvSpPr>
                 <p:cNvPr id="1347" name="Oval 1346">
@@ -3943,8 +3972,8 @@
             </p:sp>
           </mc:Fallback>
         </mc:AlternateContent>
-        <mc:AlternateContent xmlns:mc="http://schemas.openxmlformats.org/markup-compatibility/2006">
-          <mc:Choice xmlns:a14="http://schemas.microsoft.com/office/drawing/2010/main" Requires="a14">
+        <mc:AlternateContent xmlns:mc="http://schemas.openxmlformats.org/markup-compatibility/2006" xmlns:a14="http://schemas.microsoft.com/office/drawing/2010/main">
+          <mc:Choice Requires="a14">
             <p:sp>
               <p:nvSpPr>
                 <p:cNvPr id="1348" name="Rectangle 1347">
@@ -4026,7 +4055,7 @@
               </p:txBody>
             </p:sp>
           </mc:Choice>
-          <mc:Fallback>
+          <mc:Fallback xmlns="">
             <p:sp>
               <p:nvSpPr>
                 <p:cNvPr id="1348" name="Rectangle 1347">
@@ -4071,8 +4100,8 @@
             </p:sp>
           </mc:Fallback>
         </mc:AlternateContent>
-        <mc:AlternateContent xmlns:mc="http://schemas.openxmlformats.org/markup-compatibility/2006">
-          <mc:Choice xmlns:a14="http://schemas.microsoft.com/office/drawing/2010/main" Requires="a14">
+        <mc:AlternateContent xmlns:mc="http://schemas.openxmlformats.org/markup-compatibility/2006" xmlns:a14="http://schemas.microsoft.com/office/drawing/2010/main">
+          <mc:Choice Requires="a14">
             <p:sp>
               <p:nvSpPr>
                 <p:cNvPr id="1349" name="Oval 1348">
@@ -4175,7 +4204,7 @@
               </p:txBody>
             </p:sp>
           </mc:Choice>
-          <mc:Fallback>
+          <mc:Fallback xmlns="">
             <p:sp>
               <p:nvSpPr>
                 <p:cNvPr id="1349" name="Oval 1348">
@@ -4681,8 +4710,8 @@
             </a:fontRef>
           </p:style>
         </p:cxnSp>
-        <mc:AlternateContent xmlns:mc="http://schemas.openxmlformats.org/markup-compatibility/2006">
-          <mc:Choice xmlns:a14="http://schemas.microsoft.com/office/drawing/2010/main" Requires="a14">
+        <mc:AlternateContent xmlns:mc="http://schemas.openxmlformats.org/markup-compatibility/2006" xmlns:a14="http://schemas.microsoft.com/office/drawing/2010/main">
+          <mc:Choice Requires="a14">
             <p:sp>
               <p:nvSpPr>
                 <p:cNvPr id="1359" name="Rectangle 1358">
@@ -4794,7 +4823,7 @@
               </p:txBody>
             </p:sp>
           </mc:Choice>
-          <mc:Fallback>
+          <mc:Fallback xmlns="">
             <p:sp>
               <p:nvSpPr>
                 <p:cNvPr id="1359" name="Rectangle 1358">
@@ -5466,8 +5495,8 @@
             </a:p>
           </p:txBody>
         </p:sp>
-        <mc:AlternateContent xmlns:mc="http://schemas.openxmlformats.org/markup-compatibility/2006">
-          <mc:Choice xmlns:a14="http://schemas.microsoft.com/office/drawing/2010/main" Requires="a14">
+        <mc:AlternateContent xmlns:mc="http://schemas.openxmlformats.org/markup-compatibility/2006" xmlns:a14="http://schemas.microsoft.com/office/drawing/2010/main">
+          <mc:Choice Requires="a14">
             <p:sp>
               <p:nvSpPr>
                 <p:cNvPr id="1372" name="Rectangle 1371">
@@ -5549,7 +5578,7 @@
               </p:txBody>
             </p:sp>
           </mc:Choice>
-          <mc:Fallback>
+          <mc:Fallback xmlns="">
             <p:sp>
               <p:nvSpPr>
                 <p:cNvPr id="1372" name="Rectangle 1371">
@@ -5594,8 +5623,8 @@
             </p:sp>
           </mc:Fallback>
         </mc:AlternateContent>
-        <mc:AlternateContent xmlns:mc="http://schemas.openxmlformats.org/markup-compatibility/2006">
-          <mc:Choice xmlns:a14="http://schemas.microsoft.com/office/drawing/2010/main" Requires="a14">
+        <mc:AlternateContent xmlns:mc="http://schemas.openxmlformats.org/markup-compatibility/2006" xmlns:a14="http://schemas.microsoft.com/office/drawing/2010/main">
+          <mc:Choice Requires="a14">
             <p:sp>
               <p:nvSpPr>
                 <p:cNvPr id="1373" name="Oval 1372">
@@ -5698,7 +5727,7 @@
               </p:txBody>
             </p:sp>
           </mc:Choice>
-          <mc:Fallback>
+          <mc:Fallback xmlns="">
             <p:sp>
               <p:nvSpPr>
                 <p:cNvPr id="1373" name="Oval 1372">
@@ -5984,8 +6013,8 @@
             </a:fontRef>
           </p:style>
         </p:cxnSp>
-        <mc:AlternateContent xmlns:mc="http://schemas.openxmlformats.org/markup-compatibility/2006">
-          <mc:Choice xmlns:a14="http://schemas.microsoft.com/office/drawing/2010/main" Requires="a14">
+        <mc:AlternateContent xmlns:mc="http://schemas.openxmlformats.org/markup-compatibility/2006" xmlns:a14="http://schemas.microsoft.com/office/drawing/2010/main">
+          <mc:Choice Requires="a14">
             <p:sp>
               <p:nvSpPr>
                 <p:cNvPr id="42" name="TextBox 41">
@@ -6050,7 +6079,7 @@
               </p:txBody>
             </p:sp>
           </mc:Choice>
-          <mc:Fallback>
+          <mc:Fallback xmlns="">
             <p:sp>
               <p:nvSpPr>
                 <p:cNvPr id="42" name="TextBox 41">
@@ -6095,8 +6124,8 @@
             </p:sp>
           </mc:Fallback>
         </mc:AlternateContent>
-        <mc:AlternateContent xmlns:mc="http://schemas.openxmlformats.org/markup-compatibility/2006">
-          <mc:Choice xmlns:a14="http://schemas.microsoft.com/office/drawing/2010/main" Requires="a14">
+        <mc:AlternateContent xmlns:mc="http://schemas.openxmlformats.org/markup-compatibility/2006" xmlns:a14="http://schemas.microsoft.com/office/drawing/2010/main">
+          <mc:Choice Requires="a14">
             <p:sp>
               <p:nvSpPr>
                 <p:cNvPr id="51" name="TextBox 50">
@@ -6181,7 +6210,7 @@
               </p:txBody>
             </p:sp>
           </mc:Choice>
-          <mc:Fallback>
+          <mc:Fallback xmlns="">
             <p:sp>
               <p:nvSpPr>
                 <p:cNvPr id="51" name="TextBox 50">
@@ -6226,8 +6255,8 @@
             </p:sp>
           </mc:Fallback>
         </mc:AlternateContent>
-        <mc:AlternateContent xmlns:mc="http://schemas.openxmlformats.org/markup-compatibility/2006">
-          <mc:Choice xmlns:a14="http://schemas.microsoft.com/office/drawing/2010/main" Requires="a14">
+        <mc:AlternateContent xmlns:mc="http://schemas.openxmlformats.org/markup-compatibility/2006" xmlns:a14="http://schemas.microsoft.com/office/drawing/2010/main">
+          <mc:Choice Requires="a14">
             <p:sp>
               <p:nvSpPr>
                 <p:cNvPr id="52" name="TextBox 51">
@@ -6312,7 +6341,7 @@
               </p:txBody>
             </p:sp>
           </mc:Choice>
-          <mc:Fallback>
+          <mc:Fallback xmlns="">
             <p:sp>
               <p:nvSpPr>
                 <p:cNvPr id="52" name="TextBox 51">
@@ -6357,8 +6386,8 @@
             </p:sp>
           </mc:Fallback>
         </mc:AlternateContent>
-        <mc:AlternateContent xmlns:mc="http://schemas.openxmlformats.org/markup-compatibility/2006">
-          <mc:Choice xmlns:a14="http://schemas.microsoft.com/office/drawing/2010/main" Requires="a14">
+        <mc:AlternateContent xmlns:mc="http://schemas.openxmlformats.org/markup-compatibility/2006" xmlns:a14="http://schemas.microsoft.com/office/drawing/2010/main">
+          <mc:Choice Requires="a14">
             <p:sp>
               <p:nvSpPr>
                 <p:cNvPr id="53" name="TextBox 52">
@@ -6443,7 +6472,7 @@
               </p:txBody>
             </p:sp>
           </mc:Choice>
-          <mc:Fallback>
+          <mc:Fallback xmlns="">
             <p:sp>
               <p:nvSpPr>
                 <p:cNvPr id="53" name="TextBox 52">
@@ -6488,8 +6517,8 @@
             </p:sp>
           </mc:Fallback>
         </mc:AlternateContent>
-        <mc:AlternateContent xmlns:mc="http://schemas.openxmlformats.org/markup-compatibility/2006">
-          <mc:Choice xmlns:a14="http://schemas.microsoft.com/office/drawing/2010/main" Requires="a14">
+        <mc:AlternateContent xmlns:mc="http://schemas.openxmlformats.org/markup-compatibility/2006" xmlns:a14="http://schemas.microsoft.com/office/drawing/2010/main">
+          <mc:Choice Requires="a14">
             <p:sp>
               <p:nvSpPr>
                 <p:cNvPr id="54" name="TextBox 53">
@@ -6574,7 +6603,7 @@
               </p:txBody>
             </p:sp>
           </mc:Choice>
-          <mc:Fallback>
+          <mc:Fallback xmlns="">
             <p:sp>
               <p:nvSpPr>
                 <p:cNvPr id="54" name="TextBox 53">
@@ -6619,8 +6648,8 @@
             </p:sp>
           </mc:Fallback>
         </mc:AlternateContent>
-        <mc:AlternateContent xmlns:mc="http://schemas.openxmlformats.org/markup-compatibility/2006">
-          <mc:Choice xmlns:a14="http://schemas.microsoft.com/office/drawing/2010/main" Requires="a14">
+        <mc:AlternateContent xmlns:mc="http://schemas.openxmlformats.org/markup-compatibility/2006" xmlns:a14="http://schemas.microsoft.com/office/drawing/2010/main">
+          <mc:Choice Requires="a14">
             <p:sp>
               <p:nvSpPr>
                 <p:cNvPr id="55" name="TextBox 54">
@@ -6705,7 +6734,7 @@
               </p:txBody>
             </p:sp>
           </mc:Choice>
-          <mc:Fallback>
+          <mc:Fallback xmlns="">
             <p:sp>
               <p:nvSpPr>
                 <p:cNvPr id="55" name="TextBox 54">
